--- a/Figures/Limitation/formattingLim.pptx
+++ b/Figures/Limitation/formattingLim.pptx
@@ -270,7 +270,7 @@
           <a:p>
             <a:fld id="{BA33E40C-A085-4B10-AFDD-8713C04305EF}" type="datetimeFigureOut">
               <a:rPr lang="en-US" smtClean="0"/>
-              <a:t>8/16/2024</a:t>
+              <a:t>10/6/2024</a:t>
             </a:fld>
             <a:endParaRPr lang="en-US"/>
           </a:p>
@@ -468,7 +468,7 @@
           <a:p>
             <a:fld id="{BA33E40C-A085-4B10-AFDD-8713C04305EF}" type="datetimeFigureOut">
               <a:rPr lang="en-US" smtClean="0"/>
-              <a:t>8/16/2024</a:t>
+              <a:t>10/6/2024</a:t>
             </a:fld>
             <a:endParaRPr lang="en-US"/>
           </a:p>
@@ -676,7 +676,7 @@
           <a:p>
             <a:fld id="{BA33E40C-A085-4B10-AFDD-8713C04305EF}" type="datetimeFigureOut">
               <a:rPr lang="en-US" smtClean="0"/>
-              <a:t>8/16/2024</a:t>
+              <a:t>10/6/2024</a:t>
             </a:fld>
             <a:endParaRPr lang="en-US"/>
           </a:p>
@@ -874,7 +874,7 @@
           <a:p>
             <a:fld id="{BA33E40C-A085-4B10-AFDD-8713C04305EF}" type="datetimeFigureOut">
               <a:rPr lang="en-US" smtClean="0"/>
-              <a:t>8/16/2024</a:t>
+              <a:t>10/6/2024</a:t>
             </a:fld>
             <a:endParaRPr lang="en-US"/>
           </a:p>
@@ -1149,7 +1149,7 @@
           <a:p>
             <a:fld id="{BA33E40C-A085-4B10-AFDD-8713C04305EF}" type="datetimeFigureOut">
               <a:rPr lang="en-US" smtClean="0"/>
-              <a:t>8/16/2024</a:t>
+              <a:t>10/6/2024</a:t>
             </a:fld>
             <a:endParaRPr lang="en-US"/>
           </a:p>
@@ -1414,7 +1414,7 @@
           <a:p>
             <a:fld id="{BA33E40C-A085-4B10-AFDD-8713C04305EF}" type="datetimeFigureOut">
               <a:rPr lang="en-US" smtClean="0"/>
-              <a:t>8/16/2024</a:t>
+              <a:t>10/6/2024</a:t>
             </a:fld>
             <a:endParaRPr lang="en-US"/>
           </a:p>
@@ -1826,7 +1826,7 @@
           <a:p>
             <a:fld id="{BA33E40C-A085-4B10-AFDD-8713C04305EF}" type="datetimeFigureOut">
               <a:rPr lang="en-US" smtClean="0"/>
-              <a:t>8/16/2024</a:t>
+              <a:t>10/6/2024</a:t>
             </a:fld>
             <a:endParaRPr lang="en-US"/>
           </a:p>
@@ -1967,7 +1967,7 @@
           <a:p>
             <a:fld id="{BA33E40C-A085-4B10-AFDD-8713C04305EF}" type="datetimeFigureOut">
               <a:rPr lang="en-US" smtClean="0"/>
-              <a:t>8/16/2024</a:t>
+              <a:t>10/6/2024</a:t>
             </a:fld>
             <a:endParaRPr lang="en-US"/>
           </a:p>
@@ -2080,7 +2080,7 @@
           <a:p>
             <a:fld id="{BA33E40C-A085-4B10-AFDD-8713C04305EF}" type="datetimeFigureOut">
               <a:rPr lang="en-US" smtClean="0"/>
-              <a:t>8/16/2024</a:t>
+              <a:t>10/6/2024</a:t>
             </a:fld>
             <a:endParaRPr lang="en-US"/>
           </a:p>
@@ -2391,7 +2391,7 @@
           <a:p>
             <a:fld id="{BA33E40C-A085-4B10-AFDD-8713C04305EF}" type="datetimeFigureOut">
               <a:rPr lang="en-US" smtClean="0"/>
-              <a:t>8/16/2024</a:t>
+              <a:t>10/6/2024</a:t>
             </a:fld>
             <a:endParaRPr lang="en-US"/>
           </a:p>
@@ -2679,7 +2679,7 @@
           <a:p>
             <a:fld id="{BA33E40C-A085-4B10-AFDD-8713C04305EF}" type="datetimeFigureOut">
               <a:rPr lang="en-US" smtClean="0"/>
-              <a:t>8/16/2024</a:t>
+              <a:t>10/6/2024</a:t>
             </a:fld>
             <a:endParaRPr lang="en-US"/>
           </a:p>
@@ -2920,7 +2920,7 @@
           <a:p>
             <a:fld id="{BA33E40C-A085-4B10-AFDD-8713C04305EF}" type="datetimeFigureOut">
               <a:rPr lang="en-US" smtClean="0"/>
-              <a:t>8/16/2024</a:t>
+              <a:t>10/6/2024</a:t>
             </a:fld>
             <a:endParaRPr lang="en-US"/>
           </a:p>
@@ -3352,14 +3352,14 @@
         <p:grpSpPr>
           <a:xfrm>
             <a:off x="205497" y="176869"/>
-            <a:ext cx="9825194" cy="6681131"/>
+            <a:ext cx="9825193" cy="6681131"/>
             <a:chOff x="205497" y="176869"/>
-            <a:chExt cx="9825194" cy="6681131"/>
+            <a:chExt cx="9825193" cy="6681131"/>
           </a:xfrm>
         </p:grpSpPr>
         <p:pic>
           <p:nvPicPr>
-            <p:cNvPr id="5" name="Picture 4" descr="A diagram of a network&#10;&#10;Description automatically generated">
+            <p:cNvPr id="5" name="Picture 4">
               <a:extLst>
                 <a:ext uri="{FF2B5EF4-FFF2-40B4-BE49-F238E27FC236}">
                   <a16:creationId xmlns:a16="http://schemas.microsoft.com/office/drawing/2014/main" id="{54E60246-73C6-E86E-31FC-09D816EF9498}"/>
@@ -3379,14 +3379,13 @@
                 </a:ext>
               </a:extLst>
             </a:blip>
-            <a:stretch>
-              <a:fillRect/>
-            </a:stretch>
+            <a:srcRect/>
+            <a:stretch/>
           </p:blipFill>
           <p:spPr>
             <a:xfrm>
               <a:off x="205497" y="176869"/>
-              <a:ext cx="9825194" cy="6681131"/>
+              <a:ext cx="9825193" cy="6681131"/>
             </a:xfrm>
             <a:prstGeom prst="rect">
               <a:avLst/>
